--- a/ShapeCrawler.Tests.Unit/Resource/021.pptx
+++ b/ShapeCrawler.Tests.Unit/Resource/021.pptx
@@ -312,7 +312,7 @@
             <c:idx val="0"/>
             <c:invertIfNegative val="0"/>
             <c:bubble3D val="0"/>
-            <c:extLst xmlns:c15="http://schemas.microsoft.com/office/drawing/2012/chart" xmlns:c16="http://schemas.microsoft.com/office/drawing/2014/chart" xmlns:c14="http://schemas.microsoft.com/office/drawing/2007/8/2/chart" xmlns:mc="http://schemas.openxmlformats.org/markup-compatibility/2006">
+            <c:extLst xmlns:mc="http://schemas.openxmlformats.org/markup-compatibility/2006" xmlns:c14="http://schemas.microsoft.com/office/drawing/2007/8/2/chart" xmlns:c16="http://schemas.microsoft.com/office/drawing/2014/chart" xmlns:c15="http://schemas.microsoft.com/office/drawing/2012/chart">
               <c:ext xmlns:c16="http://schemas.microsoft.com/office/drawing/2014/chart" uri="{C3380CC4-5D6E-409C-BE32-E72D297353CC}">
                 <c16:uniqueId val="{00000001-4965-47CE-AB76-52AEA45F3F65}"/>
               </c:ext>
@@ -322,7 +322,7 @@
             <c:idx val="2"/>
             <c:invertIfNegative val="0"/>
             <c:bubble3D val="0"/>
-            <c:extLst xmlns:c15="http://schemas.microsoft.com/office/drawing/2012/chart" xmlns:c16="http://schemas.microsoft.com/office/drawing/2014/chart" xmlns:c14="http://schemas.microsoft.com/office/drawing/2007/8/2/chart" xmlns:mc="http://schemas.openxmlformats.org/markup-compatibility/2006">
+            <c:extLst xmlns:mc="http://schemas.openxmlformats.org/markup-compatibility/2006" xmlns:c14="http://schemas.microsoft.com/office/drawing/2007/8/2/chart" xmlns:c16="http://schemas.microsoft.com/office/drawing/2014/chart" xmlns:c15="http://schemas.microsoft.com/office/drawing/2012/chart">
               <c:ext xmlns:c16="http://schemas.microsoft.com/office/drawing/2014/chart" uri="{C3380CC4-5D6E-409C-BE32-E72D297353CC}">
                 <c16:uniqueId val="{00000003-4965-47CE-AB76-52AEA45F3F65}"/>
               </c:ext>
@@ -332,7 +332,7 @@
             <c:idx val="3"/>
             <c:invertIfNegative val="0"/>
             <c:bubble3D val="0"/>
-            <c:extLst xmlns:c15="http://schemas.microsoft.com/office/drawing/2012/chart" xmlns:c16="http://schemas.microsoft.com/office/drawing/2014/chart" xmlns:c14="http://schemas.microsoft.com/office/drawing/2007/8/2/chart" xmlns:mc="http://schemas.openxmlformats.org/markup-compatibility/2006">
+            <c:extLst xmlns:mc="http://schemas.openxmlformats.org/markup-compatibility/2006" xmlns:c14="http://schemas.microsoft.com/office/drawing/2007/8/2/chart" xmlns:c16="http://schemas.microsoft.com/office/drawing/2014/chart" xmlns:c15="http://schemas.microsoft.com/office/drawing/2012/chart">
               <c:ext xmlns:c16="http://schemas.microsoft.com/office/drawing/2014/chart" uri="{C3380CC4-5D6E-409C-BE32-E72D297353CC}">
                 <c16:uniqueId val="{00000005-4965-47CE-AB76-52AEA45F3F65}"/>
               </c:ext>
@@ -379,7 +379,7 @@
               </c:numCache>
             </c:numRef>
           </c:val>
-          <c:extLst xmlns:c15="http://schemas.microsoft.com/office/drawing/2012/chart" xmlns:c16="http://schemas.microsoft.com/office/drawing/2014/chart" xmlns:c14="http://schemas.microsoft.com/office/drawing/2007/8/2/chart" xmlns:mc="http://schemas.openxmlformats.org/markup-compatibility/2006">
+          <c:extLst xmlns:mc="http://schemas.openxmlformats.org/markup-compatibility/2006" xmlns:c14="http://schemas.microsoft.com/office/drawing/2007/8/2/chart" xmlns:c16="http://schemas.microsoft.com/office/drawing/2014/chart" xmlns:c15="http://schemas.microsoft.com/office/drawing/2012/chart">
             <c:ext xmlns:c16="http://schemas.microsoft.com/office/drawing/2014/chart" uri="{C3380CC4-5D6E-409C-BE32-E72D297353CC}">
               <c16:uniqueId val="{00000006-4965-47CE-AB76-52AEA45F3F65}"/>
             </c:ext>
@@ -450,7 +450,7 @@
               </c:numCache>
             </c:numRef>
           </c:val>
-          <c:extLst xmlns:c15="http://schemas.microsoft.com/office/drawing/2012/chart" xmlns:c16="http://schemas.microsoft.com/office/drawing/2014/chart" xmlns:c14="http://schemas.microsoft.com/office/drawing/2007/8/2/chart" xmlns:mc="http://schemas.openxmlformats.org/markup-compatibility/2006">
+          <c:extLst xmlns:mc="http://schemas.openxmlformats.org/markup-compatibility/2006" xmlns:c14="http://schemas.microsoft.com/office/drawing/2007/8/2/chart" xmlns:c16="http://schemas.microsoft.com/office/drawing/2014/chart" xmlns:c15="http://schemas.microsoft.com/office/drawing/2012/chart">
             <c:ext xmlns:c16="http://schemas.microsoft.com/office/drawing/2014/chart" uri="{C3380CC4-5D6E-409C-BE32-E72D297353CC}">
               <c16:uniqueId val="{00000007-4965-47CE-AB76-52AEA45F3F65}"/>
             </c:ext>
@@ -522,7 +522,7 @@
               </c:spPr>
             </c:marker>
             <c:bubble3D val="0"/>
-            <c:extLst xmlns:c15="http://schemas.microsoft.com/office/drawing/2012/chart" xmlns:c16="http://schemas.microsoft.com/office/drawing/2014/chart" xmlns:c14="http://schemas.microsoft.com/office/drawing/2007/8/2/chart" xmlns:mc="http://schemas.openxmlformats.org/markup-compatibility/2006">
+            <c:extLst xmlns:mc="http://schemas.openxmlformats.org/markup-compatibility/2006" xmlns:c14="http://schemas.microsoft.com/office/drawing/2007/8/2/chart" xmlns:c16="http://schemas.microsoft.com/office/drawing/2014/chart" xmlns:c15="http://schemas.microsoft.com/office/drawing/2012/chart">
               <c:ext xmlns:c16="http://schemas.microsoft.com/office/drawing/2014/chart" uri="{C3380CC4-5D6E-409C-BE32-E72D297353CC}">
                 <c16:uniqueId val="{00000008-4965-47CE-AB76-52AEA45F3F65}"/>
               </c:ext>
@@ -544,7 +544,7 @@
               </c:spPr>
             </c:marker>
             <c:bubble3D val="0"/>
-            <c:extLst xmlns:c15="http://schemas.microsoft.com/office/drawing/2012/chart" xmlns:c16="http://schemas.microsoft.com/office/drawing/2014/chart" xmlns:c14="http://schemas.microsoft.com/office/drawing/2007/8/2/chart" xmlns:mc="http://schemas.openxmlformats.org/markup-compatibility/2006">
+            <c:extLst xmlns:mc="http://schemas.openxmlformats.org/markup-compatibility/2006" xmlns:c14="http://schemas.microsoft.com/office/drawing/2007/8/2/chart" xmlns:c16="http://schemas.microsoft.com/office/drawing/2014/chart" xmlns:c15="http://schemas.microsoft.com/office/drawing/2012/chart">
               <c:ext xmlns:c16="http://schemas.microsoft.com/office/drawing/2014/chart" uri="{C3380CC4-5D6E-409C-BE32-E72D297353CC}">
                 <c16:uniqueId val="{00000009-4965-47CE-AB76-52AEA45F3F65}"/>
               </c:ext>
@@ -566,7 +566,7 @@
               </c:spPr>
             </c:marker>
             <c:bubble3D val="0"/>
-            <c:extLst xmlns:c15="http://schemas.microsoft.com/office/drawing/2012/chart" xmlns:c16="http://schemas.microsoft.com/office/drawing/2014/chart" xmlns:c14="http://schemas.microsoft.com/office/drawing/2007/8/2/chart" xmlns:mc="http://schemas.openxmlformats.org/markup-compatibility/2006">
+            <c:extLst xmlns:mc="http://schemas.openxmlformats.org/markup-compatibility/2006" xmlns:c14="http://schemas.microsoft.com/office/drawing/2007/8/2/chart" xmlns:c16="http://schemas.microsoft.com/office/drawing/2014/chart" xmlns:c15="http://schemas.microsoft.com/office/drawing/2012/chart">
               <c:ext xmlns:c16="http://schemas.microsoft.com/office/drawing/2014/chart" uri="{C3380CC4-5D6E-409C-BE32-E72D297353CC}">
                 <c16:uniqueId val="{0000000A-4965-47CE-AB76-52AEA45F3F65}"/>
               </c:ext>
@@ -611,7 +611,7 @@
             <c:showPercent val="0"/>
             <c:showBubbleSize val="0"/>
             <c:showLeaderLines val="0"/>
-            <c:extLst xmlns:c15="http://schemas.microsoft.com/office/drawing/2012/chart" xmlns:c16="http://schemas.microsoft.com/office/drawing/2014/chart" xmlns:c14="http://schemas.microsoft.com/office/drawing/2007/8/2/chart" xmlns:mc="http://schemas.openxmlformats.org/markup-compatibility/2006">
+            <c:extLst xmlns:mc="http://schemas.openxmlformats.org/markup-compatibility/2006" xmlns:c14="http://schemas.microsoft.com/office/drawing/2007/8/2/chart" xmlns:c16="http://schemas.microsoft.com/office/drawing/2014/chart" xmlns:c15="http://schemas.microsoft.com/office/drawing/2012/chart">
               <c:ext xmlns:c15="http://schemas.microsoft.com/office/drawing/2012/chart" uri="{CE6537A1-D6FC-4f65-9D91-7224C49458BB}">
                 <c15:showLeaderLines val="0"/>
               </c:ext>
@@ -659,7 +659,7 @@
             </c:numRef>
           </c:yVal>
           <c:smooth val="0"/>
-          <c:extLst xmlns:c15="http://schemas.microsoft.com/office/drawing/2012/chart" xmlns:c16="http://schemas.microsoft.com/office/drawing/2014/chart" xmlns:c14="http://schemas.microsoft.com/office/drawing/2007/8/2/chart" xmlns:mc="http://schemas.openxmlformats.org/markup-compatibility/2006">
+          <c:extLst xmlns:mc="http://schemas.openxmlformats.org/markup-compatibility/2006" xmlns:c14="http://schemas.microsoft.com/office/drawing/2007/8/2/chart" xmlns:c16="http://schemas.microsoft.com/office/drawing/2014/chart" xmlns:c15="http://schemas.microsoft.com/office/drawing/2012/chart">
             <c:ext xmlns:c16="http://schemas.microsoft.com/office/drawing/2014/chart" uri="{C3380CC4-5D6E-409C-BE32-E72D297353CC}">
               <c16:uniqueId val="{0000000B-4965-47CE-AB76-52AEA45F3F65}"/>
             </c:ext>
@@ -998,7 +998,7 @@
             <c:showPercent val="0"/>
             <c:showBubbleSize val="0"/>
             <c:showLeaderLines val="0"/>
-            <c:extLst xmlns:mc="http://schemas.openxmlformats.org/markup-compatibility/2006" xmlns:c14="http://schemas.microsoft.com/office/drawing/2007/8/2/chart" xmlns:c15="http://schemas.microsoft.com/office/drawing/2012/chart" xmlns:c16="http://schemas.microsoft.com/office/drawing/2014/chart">
+            <c:extLst xmlns:c16="http://schemas.microsoft.com/office/drawing/2014/chart" xmlns:c15="http://schemas.microsoft.com/office/drawing/2012/chart" xmlns:c14="http://schemas.microsoft.com/office/drawing/2007/8/2/chart" xmlns:mc="http://schemas.openxmlformats.org/markup-compatibility/2006">
               <c:ext xmlns:c15="http://schemas.microsoft.com/office/drawing/2012/chart" uri="{CE6537A1-D6FC-4f65-9D91-7224C49458BB}">
                 <c15:showLeaderLines val="1"/>
                 <c15:leaderLines>
@@ -1054,7 +1054,7 @@
               </c:numCache>
             </c:numRef>
           </c:val>
-          <c:extLst xmlns:mc="http://schemas.openxmlformats.org/markup-compatibility/2006" xmlns:c14="http://schemas.microsoft.com/office/drawing/2007/8/2/chart" xmlns:c15="http://schemas.microsoft.com/office/drawing/2012/chart" xmlns:c16="http://schemas.microsoft.com/office/drawing/2014/chart">
+          <c:extLst xmlns:c16="http://schemas.microsoft.com/office/drawing/2014/chart" xmlns:c15="http://schemas.microsoft.com/office/drawing/2012/chart" xmlns:c14="http://schemas.microsoft.com/office/drawing/2007/8/2/chart" xmlns:mc="http://schemas.openxmlformats.org/markup-compatibility/2006">
             <c:ext xmlns:c16="http://schemas.microsoft.com/office/drawing/2014/chart" uri="{C3380CC4-5D6E-409C-BE32-E72D297353CC}">
               <c16:uniqueId val="{00000000-882D-4C89-B165-E0ECAA3D5BD7}"/>
             </c:ext>
@@ -1118,7 +1118,7 @@
               <c:showSerName val="0"/>
               <c:showPercent val="0"/>
               <c:showBubbleSize val="0"/>
-              <c:extLst xmlns:mc="http://schemas.openxmlformats.org/markup-compatibility/2006" xmlns:c14="http://schemas.microsoft.com/office/drawing/2007/8/2/chart" xmlns:c15="http://schemas.microsoft.com/office/drawing/2012/chart" xmlns:c16="http://schemas.microsoft.com/office/drawing/2014/chart">
+              <c:extLst xmlns:c16="http://schemas.microsoft.com/office/drawing/2014/chart" xmlns:c15="http://schemas.microsoft.com/office/drawing/2012/chart" xmlns:c14="http://schemas.microsoft.com/office/drawing/2007/8/2/chart" xmlns:mc="http://schemas.openxmlformats.org/markup-compatibility/2006">
                 <c:ext xmlns:c15="http://schemas.microsoft.com/office/drawing/2012/chart" uri="{CE6537A1-D6FC-4f65-9D91-7224C49458BB}"/>
                 <c:ext xmlns:c16="http://schemas.microsoft.com/office/drawing/2014/chart" uri="{C3380CC4-5D6E-409C-BE32-E72D297353CC}">
                   <c16:uniqueId val="{00000001-882D-4C89-B165-E0ECAA3D5BD7}"/>
@@ -1139,7 +1139,7 @@
               <c:showSerName val="0"/>
               <c:showPercent val="0"/>
               <c:showBubbleSize val="0"/>
-              <c:extLst xmlns:mc="http://schemas.openxmlformats.org/markup-compatibility/2006" xmlns:c14="http://schemas.microsoft.com/office/drawing/2007/8/2/chart" xmlns:c15="http://schemas.microsoft.com/office/drawing/2012/chart" xmlns:c16="http://schemas.microsoft.com/office/drawing/2014/chart">
+              <c:extLst xmlns:c16="http://schemas.microsoft.com/office/drawing/2014/chart" xmlns:c15="http://schemas.microsoft.com/office/drawing/2012/chart" xmlns:c14="http://schemas.microsoft.com/office/drawing/2007/8/2/chart" xmlns:mc="http://schemas.openxmlformats.org/markup-compatibility/2006">
                 <c:ext xmlns:c15="http://schemas.microsoft.com/office/drawing/2012/chart" uri="{CE6537A1-D6FC-4f65-9D91-7224C49458BB}"/>
                 <c:ext xmlns:c16="http://schemas.microsoft.com/office/drawing/2014/chart" uri="{C3380CC4-5D6E-409C-BE32-E72D297353CC}">
                   <c16:uniqueId val="{00000002-882D-4C89-B165-E0ECAA3D5BD7}"/>
@@ -1171,7 +1171,7 @@
               <c:showSerName val="0"/>
               <c:showPercent val="0"/>
               <c:showBubbleSize val="0"/>
-              <c:extLst xmlns:mc="http://schemas.openxmlformats.org/markup-compatibility/2006" xmlns:c14="http://schemas.microsoft.com/office/drawing/2007/8/2/chart" xmlns:c15="http://schemas.microsoft.com/office/drawing/2012/chart" xmlns:c16="http://schemas.microsoft.com/office/drawing/2014/chart">
+              <c:extLst xmlns:c16="http://schemas.microsoft.com/office/drawing/2014/chart" xmlns:c15="http://schemas.microsoft.com/office/drawing/2012/chart" xmlns:c14="http://schemas.microsoft.com/office/drawing/2007/8/2/chart" xmlns:mc="http://schemas.openxmlformats.org/markup-compatibility/2006">
                 <c:ext xmlns:c15="http://schemas.microsoft.com/office/drawing/2012/chart" uri="{CE6537A1-D6FC-4f65-9D91-7224C49458BB}">
                   <c15:spPr xmlns:c15="http://schemas.microsoft.com/office/drawing/2012/chart">
                     <a:prstGeom prst="rect">
@@ -1208,7 +1208,7 @@
             <c:showPercent val="0"/>
             <c:showBubbleSize val="0"/>
             <c:showLeaderLines val="0"/>
-            <c:extLst xmlns:mc="http://schemas.openxmlformats.org/markup-compatibility/2006" xmlns:c14="http://schemas.microsoft.com/office/drawing/2007/8/2/chart" xmlns:c15="http://schemas.microsoft.com/office/drawing/2012/chart" xmlns:c16="http://schemas.microsoft.com/office/drawing/2014/chart">
+            <c:extLst xmlns:c16="http://schemas.microsoft.com/office/drawing/2014/chart" xmlns:c15="http://schemas.microsoft.com/office/drawing/2012/chart" xmlns:c14="http://schemas.microsoft.com/office/drawing/2007/8/2/chart" xmlns:mc="http://schemas.openxmlformats.org/markup-compatibility/2006">
               <c:ext xmlns:c15="http://schemas.microsoft.com/office/drawing/2012/chart" uri="{CE6537A1-D6FC-4f65-9D91-7224C49458BB}">
                 <c15:showLeaderLines val="1"/>
                 <c15:leaderLines>
@@ -1265,7 +1265,7 @@
             </c:numRef>
           </c:val>
           <c:smooth val="0"/>
-          <c:extLst xmlns:mc="http://schemas.openxmlformats.org/markup-compatibility/2006" xmlns:c14="http://schemas.microsoft.com/office/drawing/2007/8/2/chart" xmlns:c15="http://schemas.microsoft.com/office/drawing/2012/chart" xmlns:c16="http://schemas.microsoft.com/office/drawing/2014/chart">
+          <c:extLst xmlns:c16="http://schemas.microsoft.com/office/drawing/2014/chart" xmlns:c15="http://schemas.microsoft.com/office/drawing/2012/chart" xmlns:c14="http://schemas.microsoft.com/office/drawing/2007/8/2/chart" xmlns:mc="http://schemas.openxmlformats.org/markup-compatibility/2006">
             <c:ext xmlns:c16="http://schemas.microsoft.com/office/drawing/2014/chart" uri="{C3380CC4-5D6E-409C-BE32-E72D297353CC}">
               <c16:uniqueId val="{00000004-882D-4C89-B165-E0ECAA3D5BD7}"/>
             </c:ext>
@@ -44517,7 +44517,7 @@
             <c:showPercent val="0"/>
             <c:showBubbleSize val="0"/>
             <c:showLeaderLines val="0"/>
-            <c:extLst xmlns:mc="http://schemas.openxmlformats.org/markup-compatibility/2006" xmlns:c14="http://schemas.microsoft.com/office/drawing/2007/8/2/chart" xmlns:c15="http://schemas.microsoft.com/office/drawing/2012/chart" xmlns:c16="http://schemas.microsoft.com/office/drawing/2014/chart">
+            <c:extLst xmlns:c16="http://schemas.microsoft.com/office/drawing/2014/chart" xmlns:c15="http://schemas.microsoft.com/office/drawing/2012/chart" xmlns:c14="http://schemas.microsoft.com/office/drawing/2007/8/2/chart" xmlns:mc="http://schemas.openxmlformats.org/markup-compatibility/2006">
               <c:ext xmlns:c15="http://schemas.microsoft.com/office/drawing/2012/chart" uri="{CE6537A1-D6FC-4f65-9D91-7224C49458BB}">
                 <c15:showLeaderLines val="0"/>
               </c:ext>
@@ -44560,7 +44560,7 @@
             </c:numRef>
           </c:bubbleSize>
           <c:bubble3D val="0"/>
-          <c:extLst xmlns:mc="http://schemas.openxmlformats.org/markup-compatibility/2006" xmlns:c14="http://schemas.microsoft.com/office/drawing/2007/8/2/chart" xmlns:c15="http://schemas.microsoft.com/office/drawing/2012/chart" xmlns:c16="http://schemas.microsoft.com/office/drawing/2014/chart">
+          <c:extLst xmlns:c16="http://schemas.microsoft.com/office/drawing/2014/chart" xmlns:c15="http://schemas.microsoft.com/office/drawing/2012/chart" xmlns:c14="http://schemas.microsoft.com/office/drawing/2007/8/2/chart" xmlns:mc="http://schemas.openxmlformats.org/markup-compatibility/2006">
             <c:ext xmlns:c16="http://schemas.microsoft.com/office/drawing/2014/chart" uri="{C3380CC4-5D6E-409C-BE32-E72D297353CC}">
               <c16:uniqueId val="{00000000-7706-47D5-84A3-000D9F39FC53}"/>
             </c:ext>
@@ -44665,7 +44665,7 @@
             <c:showPercent val="0"/>
             <c:showBubbleSize val="0"/>
             <c:showLeaderLines val="0"/>
-            <c:extLst xmlns:mc="http://schemas.openxmlformats.org/markup-compatibility/2006" xmlns:c14="http://schemas.microsoft.com/office/drawing/2007/8/2/chart" xmlns:c15="http://schemas.microsoft.com/office/drawing/2012/chart" xmlns:c16="http://schemas.microsoft.com/office/drawing/2014/chart">
+            <c:extLst xmlns:c16="http://schemas.microsoft.com/office/drawing/2014/chart" xmlns:c15="http://schemas.microsoft.com/office/drawing/2012/chart" xmlns:c14="http://schemas.microsoft.com/office/drawing/2007/8/2/chart" xmlns:mc="http://schemas.openxmlformats.org/markup-compatibility/2006">
               <c:ext xmlns:c15="http://schemas.microsoft.com/office/drawing/2012/chart" uri="{CE6537A1-D6FC-4f65-9D91-7224C49458BB}">
                 <c15:showLeaderLines val="0"/>
               </c:ext>
@@ -44708,7 +44708,7 @@
             </c:numRef>
           </c:bubbleSize>
           <c:bubble3D val="0"/>
-          <c:extLst xmlns:mc="http://schemas.openxmlformats.org/markup-compatibility/2006" xmlns:c14="http://schemas.microsoft.com/office/drawing/2007/8/2/chart" xmlns:c15="http://schemas.microsoft.com/office/drawing/2012/chart" xmlns:c16="http://schemas.microsoft.com/office/drawing/2014/chart">
+          <c:extLst xmlns:c16="http://schemas.microsoft.com/office/drawing/2014/chart" xmlns:c15="http://schemas.microsoft.com/office/drawing/2012/chart" xmlns:c14="http://schemas.microsoft.com/office/drawing/2007/8/2/chart" xmlns:mc="http://schemas.openxmlformats.org/markup-compatibility/2006">
             <c:ext xmlns:c16="http://schemas.microsoft.com/office/drawing/2014/chart" uri="{C3380CC4-5D6E-409C-BE32-E72D297353CC}">
               <c16:uniqueId val="{00000001-7706-47D5-84A3-000D9F39FC53}"/>
             </c:ext>
@@ -44813,7 +44813,7 @@
             <c:showPercent val="0"/>
             <c:showBubbleSize val="0"/>
             <c:showLeaderLines val="0"/>
-            <c:extLst xmlns:mc="http://schemas.openxmlformats.org/markup-compatibility/2006" xmlns:c14="http://schemas.microsoft.com/office/drawing/2007/8/2/chart" xmlns:c15="http://schemas.microsoft.com/office/drawing/2012/chart" xmlns:c16="http://schemas.microsoft.com/office/drawing/2014/chart">
+            <c:extLst xmlns:c16="http://schemas.microsoft.com/office/drawing/2014/chart" xmlns:c15="http://schemas.microsoft.com/office/drawing/2012/chart" xmlns:c14="http://schemas.microsoft.com/office/drawing/2007/8/2/chart" xmlns:mc="http://schemas.openxmlformats.org/markup-compatibility/2006">
               <c:ext xmlns:c15="http://schemas.microsoft.com/office/drawing/2012/chart" uri="{CE6537A1-D6FC-4f65-9D91-7224C49458BB}">
                 <c15:showLeaderLines val="0"/>
               </c:ext>
@@ -44856,7 +44856,7 @@
             </c:numRef>
           </c:bubbleSize>
           <c:bubble3D val="0"/>
-          <c:extLst xmlns:mc="http://schemas.openxmlformats.org/markup-compatibility/2006" xmlns:c14="http://schemas.microsoft.com/office/drawing/2007/8/2/chart" xmlns:c15="http://schemas.microsoft.com/office/drawing/2012/chart" xmlns:c16="http://schemas.microsoft.com/office/drawing/2014/chart">
+          <c:extLst xmlns:c16="http://schemas.microsoft.com/office/drawing/2014/chart" xmlns:c15="http://schemas.microsoft.com/office/drawing/2012/chart" xmlns:c14="http://schemas.microsoft.com/office/drawing/2007/8/2/chart" xmlns:mc="http://schemas.openxmlformats.org/markup-compatibility/2006">
             <c:ext xmlns:c16="http://schemas.microsoft.com/office/drawing/2014/chart" uri="{C3380CC4-5D6E-409C-BE32-E72D297353CC}">
               <c16:uniqueId val="{00000002-7706-47D5-84A3-000D9F39FC53}"/>
             </c:ext>
@@ -44961,7 +44961,7 @@
             <c:showPercent val="0"/>
             <c:showBubbleSize val="0"/>
             <c:showLeaderLines val="0"/>
-            <c:extLst xmlns:mc="http://schemas.openxmlformats.org/markup-compatibility/2006" xmlns:c14="http://schemas.microsoft.com/office/drawing/2007/8/2/chart" xmlns:c15="http://schemas.microsoft.com/office/drawing/2012/chart" xmlns:c16="http://schemas.microsoft.com/office/drawing/2014/chart">
+            <c:extLst xmlns:c16="http://schemas.microsoft.com/office/drawing/2014/chart" xmlns:c15="http://schemas.microsoft.com/office/drawing/2012/chart" xmlns:c14="http://schemas.microsoft.com/office/drawing/2007/8/2/chart" xmlns:mc="http://schemas.openxmlformats.org/markup-compatibility/2006">
               <c:ext xmlns:c15="http://schemas.microsoft.com/office/drawing/2012/chart" uri="{CE6537A1-D6FC-4f65-9D91-7224C49458BB}">
                 <c15:showLeaderLines val="0"/>
               </c:ext>
@@ -45004,7 +45004,7 @@
             </c:numRef>
           </c:bubbleSize>
           <c:bubble3D val="0"/>
-          <c:extLst xmlns:mc="http://schemas.openxmlformats.org/markup-compatibility/2006" xmlns:c14="http://schemas.microsoft.com/office/drawing/2007/8/2/chart" xmlns:c15="http://schemas.microsoft.com/office/drawing/2012/chart" xmlns:c16="http://schemas.microsoft.com/office/drawing/2014/chart">
+          <c:extLst xmlns:c16="http://schemas.microsoft.com/office/drawing/2014/chart" xmlns:c15="http://schemas.microsoft.com/office/drawing/2012/chart" xmlns:c14="http://schemas.microsoft.com/office/drawing/2007/8/2/chart" xmlns:mc="http://schemas.openxmlformats.org/markup-compatibility/2006">
             <c:ext xmlns:c16="http://schemas.microsoft.com/office/drawing/2014/chart" uri="{C3380CC4-5D6E-409C-BE32-E72D297353CC}">
               <c16:uniqueId val="{00000003-7706-47D5-84A3-000D9F39FC53}"/>
             </c:ext>
@@ -45109,7 +45109,7 @@
             <c:showPercent val="0"/>
             <c:showBubbleSize val="0"/>
             <c:showLeaderLines val="0"/>
-            <c:extLst xmlns:mc="http://schemas.openxmlformats.org/markup-compatibility/2006" xmlns:c14="http://schemas.microsoft.com/office/drawing/2007/8/2/chart" xmlns:c15="http://schemas.microsoft.com/office/drawing/2012/chart" xmlns:c16="http://schemas.microsoft.com/office/drawing/2014/chart">
+            <c:extLst xmlns:c16="http://schemas.microsoft.com/office/drawing/2014/chart" xmlns:c15="http://schemas.microsoft.com/office/drawing/2012/chart" xmlns:c14="http://schemas.microsoft.com/office/drawing/2007/8/2/chart" xmlns:mc="http://schemas.openxmlformats.org/markup-compatibility/2006">
               <c:ext xmlns:c15="http://schemas.microsoft.com/office/drawing/2012/chart" uri="{CE6537A1-D6FC-4f65-9D91-7224C49458BB}">
                 <c15:showLeaderLines val="0"/>
               </c:ext>
@@ -45152,7 +45152,7 @@
             </c:numRef>
           </c:bubbleSize>
           <c:bubble3D val="0"/>
-          <c:extLst xmlns:mc="http://schemas.openxmlformats.org/markup-compatibility/2006" xmlns:c14="http://schemas.microsoft.com/office/drawing/2007/8/2/chart" xmlns:c15="http://schemas.microsoft.com/office/drawing/2012/chart" xmlns:c16="http://schemas.microsoft.com/office/drawing/2014/chart">
+          <c:extLst xmlns:c16="http://schemas.microsoft.com/office/drawing/2014/chart" xmlns:c15="http://schemas.microsoft.com/office/drawing/2012/chart" xmlns:c14="http://schemas.microsoft.com/office/drawing/2007/8/2/chart" xmlns:mc="http://schemas.openxmlformats.org/markup-compatibility/2006">
             <c:ext xmlns:c16="http://schemas.microsoft.com/office/drawing/2014/chart" uri="{C3380CC4-5D6E-409C-BE32-E72D297353CC}">
               <c16:uniqueId val="{00000004-7706-47D5-84A3-000D9F39FC53}"/>
             </c:ext>
@@ -45257,7 +45257,7 @@
             <c:showPercent val="0"/>
             <c:showBubbleSize val="0"/>
             <c:showLeaderLines val="0"/>
-            <c:extLst xmlns:mc="http://schemas.openxmlformats.org/markup-compatibility/2006" xmlns:c14="http://schemas.microsoft.com/office/drawing/2007/8/2/chart" xmlns:c15="http://schemas.microsoft.com/office/drawing/2012/chart" xmlns:c16="http://schemas.microsoft.com/office/drawing/2014/chart">
+            <c:extLst xmlns:c16="http://schemas.microsoft.com/office/drawing/2014/chart" xmlns:c15="http://schemas.microsoft.com/office/drawing/2012/chart" xmlns:c14="http://schemas.microsoft.com/office/drawing/2007/8/2/chart" xmlns:mc="http://schemas.openxmlformats.org/markup-compatibility/2006">
               <c:ext xmlns:c15="http://schemas.microsoft.com/office/drawing/2012/chart" uri="{CE6537A1-D6FC-4f65-9D91-7224C49458BB}">
                 <c15:showLeaderLines val="0"/>
               </c:ext>
@@ -45300,7 +45300,7 @@
             </c:numRef>
           </c:bubbleSize>
           <c:bubble3D val="0"/>
-          <c:extLst xmlns:mc="http://schemas.openxmlformats.org/markup-compatibility/2006" xmlns:c14="http://schemas.microsoft.com/office/drawing/2007/8/2/chart" xmlns:c15="http://schemas.microsoft.com/office/drawing/2012/chart" xmlns:c16="http://schemas.microsoft.com/office/drawing/2014/chart">
+          <c:extLst xmlns:c16="http://schemas.microsoft.com/office/drawing/2014/chart" xmlns:c15="http://schemas.microsoft.com/office/drawing/2012/chart" xmlns:c14="http://schemas.microsoft.com/office/drawing/2007/8/2/chart" xmlns:mc="http://schemas.openxmlformats.org/markup-compatibility/2006">
             <c:ext xmlns:c16="http://schemas.microsoft.com/office/drawing/2014/chart" uri="{C3380CC4-5D6E-409C-BE32-E72D297353CC}">
               <c16:uniqueId val="{00000005-7706-47D5-84A3-000D9F39FC53}"/>
             </c:ext>
@@ -45408,7 +45408,7 @@
             <c:showPercent val="0"/>
             <c:showBubbleSize val="0"/>
             <c:showLeaderLines val="0"/>
-            <c:extLst xmlns:mc="http://schemas.openxmlformats.org/markup-compatibility/2006" xmlns:c14="http://schemas.microsoft.com/office/drawing/2007/8/2/chart" xmlns:c15="http://schemas.microsoft.com/office/drawing/2012/chart" xmlns:c16="http://schemas.microsoft.com/office/drawing/2014/chart">
+            <c:extLst xmlns:c16="http://schemas.microsoft.com/office/drawing/2014/chart" xmlns:c15="http://schemas.microsoft.com/office/drawing/2012/chart" xmlns:c14="http://schemas.microsoft.com/office/drawing/2007/8/2/chart" xmlns:mc="http://schemas.openxmlformats.org/markup-compatibility/2006">
               <c:ext xmlns:c15="http://schemas.microsoft.com/office/drawing/2012/chart" uri="{CE6537A1-D6FC-4f65-9D91-7224C49458BB}">
                 <c15:showLeaderLines val="0"/>
               </c:ext>
@@ -45451,7 +45451,7 @@
             </c:numRef>
           </c:bubbleSize>
           <c:bubble3D val="0"/>
-          <c:extLst xmlns:mc="http://schemas.openxmlformats.org/markup-compatibility/2006" xmlns:c14="http://schemas.microsoft.com/office/drawing/2007/8/2/chart" xmlns:c15="http://schemas.microsoft.com/office/drawing/2012/chart" xmlns:c16="http://schemas.microsoft.com/office/drawing/2014/chart">
+          <c:extLst xmlns:c16="http://schemas.microsoft.com/office/drawing/2014/chart" xmlns:c15="http://schemas.microsoft.com/office/drawing/2012/chart" xmlns:c14="http://schemas.microsoft.com/office/drawing/2007/8/2/chart" xmlns:mc="http://schemas.openxmlformats.org/markup-compatibility/2006">
             <c:ext xmlns:c16="http://schemas.microsoft.com/office/drawing/2014/chart" uri="{C3380CC4-5D6E-409C-BE32-E72D297353CC}">
               <c16:uniqueId val="{00000006-7706-47D5-84A3-000D9F39FC53}"/>
             </c:ext>
@@ -45559,7 +45559,7 @@
             <c:showPercent val="0"/>
             <c:showBubbleSize val="0"/>
             <c:showLeaderLines val="0"/>
-            <c:extLst xmlns:mc="http://schemas.openxmlformats.org/markup-compatibility/2006" xmlns:c14="http://schemas.microsoft.com/office/drawing/2007/8/2/chart" xmlns:c15="http://schemas.microsoft.com/office/drawing/2012/chart" xmlns:c16="http://schemas.microsoft.com/office/drawing/2014/chart">
+            <c:extLst xmlns:c16="http://schemas.microsoft.com/office/drawing/2014/chart" xmlns:c15="http://schemas.microsoft.com/office/drawing/2012/chart" xmlns:c14="http://schemas.microsoft.com/office/drawing/2007/8/2/chart" xmlns:mc="http://schemas.openxmlformats.org/markup-compatibility/2006">
               <c:ext xmlns:c15="http://schemas.microsoft.com/office/drawing/2012/chart" uri="{CE6537A1-D6FC-4f65-9D91-7224C49458BB}">
                 <c15:showLeaderLines val="0"/>
               </c:ext>
@@ -45602,7 +45602,7 @@
             </c:numRef>
           </c:bubbleSize>
           <c:bubble3D val="0"/>
-          <c:extLst xmlns:mc="http://schemas.openxmlformats.org/markup-compatibility/2006" xmlns:c14="http://schemas.microsoft.com/office/drawing/2007/8/2/chart" xmlns:c15="http://schemas.microsoft.com/office/drawing/2012/chart" xmlns:c16="http://schemas.microsoft.com/office/drawing/2014/chart">
+          <c:extLst xmlns:c16="http://schemas.microsoft.com/office/drawing/2014/chart" xmlns:c15="http://schemas.microsoft.com/office/drawing/2012/chart" xmlns:c14="http://schemas.microsoft.com/office/drawing/2007/8/2/chart" xmlns:mc="http://schemas.openxmlformats.org/markup-compatibility/2006">
             <c:ext xmlns:c16="http://schemas.microsoft.com/office/drawing/2014/chart" uri="{C3380CC4-5D6E-409C-BE32-E72D297353CC}">
               <c16:uniqueId val="{00000007-7706-47D5-84A3-000D9F39FC53}"/>
             </c:ext>
@@ -45954,7 +45954,7 @@
               <c:showSerName val="0"/>
               <c:showPercent val="0"/>
               <c:showBubbleSize val="0"/>
-              <c:extLst xmlns:mc="http://schemas.openxmlformats.org/markup-compatibility/2006" xmlns:c14="http://schemas.microsoft.com/office/drawing/2007/8/2/chart" xmlns:c15="http://schemas.microsoft.com/office/drawing/2012/chart" xmlns:c16="http://schemas.microsoft.com/office/drawing/2014/chart">
+              <c:extLst xmlns:c16="http://schemas.microsoft.com/office/drawing/2014/chart" xmlns:c15="http://schemas.microsoft.com/office/drawing/2012/chart" xmlns:c14="http://schemas.microsoft.com/office/drawing/2007/8/2/chart" xmlns:mc="http://schemas.openxmlformats.org/markup-compatibility/2006">
                 <c:ext xmlns:c15="http://schemas.microsoft.com/office/drawing/2012/chart" uri="{CE6537A1-D6FC-4f65-9D91-7224C49458BB}"/>
                 <c:ext xmlns:c16="http://schemas.microsoft.com/office/drawing/2014/chart" uri="{C3380CC4-5D6E-409C-BE32-E72D297353CC}">
                   <c16:uniqueId val="{00000000-D56D-491D-95D5-09D8E74580D3}"/>
@@ -45997,7 +45997,7 @@
             <c:showPercent val="0"/>
             <c:showBubbleSize val="0"/>
             <c:showLeaderLines val="0"/>
-            <c:extLst xmlns:mc="http://schemas.openxmlformats.org/markup-compatibility/2006" xmlns:c14="http://schemas.microsoft.com/office/drawing/2007/8/2/chart" xmlns:c15="http://schemas.microsoft.com/office/drawing/2012/chart" xmlns:c16="http://schemas.microsoft.com/office/drawing/2014/chart">
+            <c:extLst xmlns:c16="http://schemas.microsoft.com/office/drawing/2014/chart" xmlns:c15="http://schemas.microsoft.com/office/drawing/2012/chart" xmlns:c14="http://schemas.microsoft.com/office/drawing/2007/8/2/chart" xmlns:mc="http://schemas.openxmlformats.org/markup-compatibility/2006">
               <c:ext xmlns:c15="http://schemas.microsoft.com/office/drawing/2012/chart" uri="{CE6537A1-D6FC-4f65-9D91-7224C49458BB}">
                 <c15:showLeaderLines val="0"/>
               </c:ext>
@@ -46055,7 +46055,7 @@
             </c:numRef>
           </c:yVal>
           <c:smooth val="0"/>
-          <c:extLst xmlns:mc="http://schemas.openxmlformats.org/markup-compatibility/2006" xmlns:c14="http://schemas.microsoft.com/office/drawing/2007/8/2/chart" xmlns:c15="http://schemas.microsoft.com/office/drawing/2012/chart" xmlns:c16="http://schemas.microsoft.com/office/drawing/2014/chart">
+          <c:extLst xmlns:c16="http://schemas.microsoft.com/office/drawing/2014/chart" xmlns:c15="http://schemas.microsoft.com/office/drawing/2012/chart" xmlns:c14="http://schemas.microsoft.com/office/drawing/2007/8/2/chart" xmlns:mc="http://schemas.openxmlformats.org/markup-compatibility/2006">
             <c:ext xmlns:c16="http://schemas.microsoft.com/office/drawing/2014/chart" uri="{C3380CC4-5D6E-409C-BE32-E72D297353CC}">
               <c16:uniqueId val="{00000001-D56D-491D-95D5-09D8E74580D3}"/>
             </c:ext>
@@ -46148,7 +46148,7 @@
             <c:showPercent val="0"/>
             <c:showBubbleSize val="0"/>
             <c:showLeaderLines val="0"/>
-            <c:extLst xmlns:mc="http://schemas.openxmlformats.org/markup-compatibility/2006" xmlns:c14="http://schemas.microsoft.com/office/drawing/2007/8/2/chart" xmlns:c15="http://schemas.microsoft.com/office/drawing/2012/chart" xmlns:c16="http://schemas.microsoft.com/office/drawing/2014/chart">
+            <c:extLst xmlns:c16="http://schemas.microsoft.com/office/drawing/2014/chart" xmlns:c15="http://schemas.microsoft.com/office/drawing/2012/chart" xmlns:c14="http://schemas.microsoft.com/office/drawing/2007/8/2/chart" xmlns:mc="http://schemas.openxmlformats.org/markup-compatibility/2006">
               <c:ext xmlns:c15="http://schemas.microsoft.com/office/drawing/2012/chart" uri="{CE6537A1-D6FC-4f65-9D91-7224C49458BB}">
                 <c15:showLeaderLines val="0"/>
               </c:ext>
@@ -46206,7 +46206,7 @@
             </c:numRef>
           </c:yVal>
           <c:smooth val="0"/>
-          <c:extLst xmlns:mc="http://schemas.openxmlformats.org/markup-compatibility/2006" xmlns:c14="http://schemas.microsoft.com/office/drawing/2007/8/2/chart" xmlns:c15="http://schemas.microsoft.com/office/drawing/2012/chart" xmlns:c16="http://schemas.microsoft.com/office/drawing/2014/chart">
+          <c:extLst xmlns:c16="http://schemas.microsoft.com/office/drawing/2014/chart" xmlns:c15="http://schemas.microsoft.com/office/drawing/2012/chart" xmlns:c14="http://schemas.microsoft.com/office/drawing/2007/8/2/chart" xmlns:mc="http://schemas.openxmlformats.org/markup-compatibility/2006">
             <c:ext xmlns:c16="http://schemas.microsoft.com/office/drawing/2014/chart" uri="{C3380CC4-5D6E-409C-BE32-E72D297353CC}">
               <c16:uniqueId val="{00000002-D56D-491D-95D5-09D8E74580D3}"/>
             </c:ext>
@@ -46278,7 +46278,7 @@
               <c:showSerName val="0"/>
               <c:showPercent val="0"/>
               <c:showBubbleSize val="0"/>
-              <c:extLst xmlns:mc="http://schemas.openxmlformats.org/markup-compatibility/2006" xmlns:c14="http://schemas.microsoft.com/office/drawing/2007/8/2/chart" xmlns:c15="http://schemas.microsoft.com/office/drawing/2012/chart" xmlns:c16="http://schemas.microsoft.com/office/drawing/2014/chart">
+              <c:extLst xmlns:c16="http://schemas.microsoft.com/office/drawing/2014/chart" xmlns:c15="http://schemas.microsoft.com/office/drawing/2012/chart" xmlns:c14="http://schemas.microsoft.com/office/drawing/2007/8/2/chart" xmlns:mc="http://schemas.openxmlformats.org/markup-compatibility/2006">
                 <c:ext xmlns:c15="http://schemas.microsoft.com/office/drawing/2012/chart" uri="{CE6537A1-D6FC-4f65-9D91-7224C49458BB}"/>
                 <c:ext xmlns:c16="http://schemas.microsoft.com/office/drawing/2014/chart" uri="{C3380CC4-5D6E-409C-BE32-E72D297353CC}">
                   <c16:uniqueId val="{00000003-D56D-491D-95D5-09D8E74580D3}"/>
@@ -46321,7 +46321,7 @@
             <c:showPercent val="0"/>
             <c:showBubbleSize val="0"/>
             <c:showLeaderLines val="0"/>
-            <c:extLst xmlns:mc="http://schemas.openxmlformats.org/markup-compatibility/2006" xmlns:c14="http://schemas.microsoft.com/office/drawing/2007/8/2/chart" xmlns:c15="http://schemas.microsoft.com/office/drawing/2012/chart" xmlns:c16="http://schemas.microsoft.com/office/drawing/2014/chart">
+            <c:extLst xmlns:c16="http://schemas.microsoft.com/office/drawing/2014/chart" xmlns:c15="http://schemas.microsoft.com/office/drawing/2012/chart" xmlns:c14="http://schemas.microsoft.com/office/drawing/2007/8/2/chart" xmlns:mc="http://schemas.openxmlformats.org/markup-compatibility/2006">
               <c:ext xmlns:c15="http://schemas.microsoft.com/office/drawing/2012/chart" uri="{CE6537A1-D6FC-4f65-9D91-7224C49458BB}">
                 <c15:showLeaderLines val="0"/>
               </c:ext>
@@ -46379,7 +46379,7 @@
             </c:numRef>
           </c:yVal>
           <c:smooth val="0"/>
-          <c:extLst xmlns:mc="http://schemas.openxmlformats.org/markup-compatibility/2006" xmlns:c14="http://schemas.microsoft.com/office/drawing/2007/8/2/chart" xmlns:c15="http://schemas.microsoft.com/office/drawing/2012/chart" xmlns:c16="http://schemas.microsoft.com/office/drawing/2014/chart">
+          <c:extLst xmlns:c16="http://schemas.microsoft.com/office/drawing/2014/chart" xmlns:c15="http://schemas.microsoft.com/office/drawing/2012/chart" xmlns:c14="http://schemas.microsoft.com/office/drawing/2007/8/2/chart" xmlns:mc="http://schemas.openxmlformats.org/markup-compatibility/2006">
             <c:ext xmlns:c16="http://schemas.microsoft.com/office/drawing/2014/chart" uri="{C3380CC4-5D6E-409C-BE32-E72D297353CC}">
               <c16:uniqueId val="{00000004-D56D-491D-95D5-09D8E74580D3}"/>
             </c:ext>
@@ -46472,7 +46472,7 @@
             <c:showPercent val="0"/>
             <c:showBubbleSize val="0"/>
             <c:showLeaderLines val="0"/>
-            <c:extLst xmlns:mc="http://schemas.openxmlformats.org/markup-compatibility/2006" xmlns:c14="http://schemas.microsoft.com/office/drawing/2007/8/2/chart" xmlns:c15="http://schemas.microsoft.com/office/drawing/2012/chart" xmlns:c16="http://schemas.microsoft.com/office/drawing/2014/chart">
+            <c:extLst xmlns:c16="http://schemas.microsoft.com/office/drawing/2014/chart" xmlns:c15="http://schemas.microsoft.com/office/drawing/2012/chart" xmlns:c14="http://schemas.microsoft.com/office/drawing/2007/8/2/chart" xmlns:mc="http://schemas.openxmlformats.org/markup-compatibility/2006">
               <c:ext xmlns:c15="http://schemas.microsoft.com/office/drawing/2012/chart" uri="{CE6537A1-D6FC-4f65-9D91-7224C49458BB}">
                 <c15:showLeaderLines val="0"/>
               </c:ext>
@@ -46515,22 +46515,22 @@
             <c:numRef>
               <c:f>Sheet1!$E$2:$E$9</c:f>
               <c:numCache>
-                <c:formatCode>#,##0.0</c:formatCode>
+                <c:formatCode>General</c:formatCode>
                 <c:ptCount val="8"/>
-                <c:pt idx="3">
+                <c:pt idx="3" formatCode="#,##0.0">
                   <c:v>7.1</c:v>
                 </c:pt>
-                <c:pt idx="4">
+                <c:pt idx="4" formatCode="#,##0.0">
                   <c:v>4.5</c:v>
                 </c:pt>
-                <c:pt idx="5">
+                <c:pt idx="5" formatCode="#,##0.0">
                   <c:v>4.4000000000000004</c:v>
                 </c:pt>
               </c:numCache>
             </c:numRef>
           </c:yVal>
           <c:smooth val="0"/>
-          <c:extLst xmlns:mc="http://schemas.openxmlformats.org/markup-compatibility/2006" xmlns:c14="http://schemas.microsoft.com/office/drawing/2007/8/2/chart" xmlns:c15="http://schemas.microsoft.com/office/drawing/2012/chart" xmlns:c16="http://schemas.microsoft.com/office/drawing/2014/chart">
+          <c:extLst xmlns:c16="http://schemas.microsoft.com/office/drawing/2014/chart" xmlns:c15="http://schemas.microsoft.com/office/drawing/2012/chart" xmlns:c14="http://schemas.microsoft.com/office/drawing/2007/8/2/chart" xmlns:mc="http://schemas.openxmlformats.org/markup-compatibility/2006">
             <c:ext xmlns:c16="http://schemas.microsoft.com/office/drawing/2014/chart" uri="{C3380CC4-5D6E-409C-BE32-E72D297353CC}">
               <c16:uniqueId val="{00000005-D56D-491D-95D5-09D8E74580D3}"/>
             </c:ext>
@@ -46623,7 +46623,7 @@
             <c:showPercent val="0"/>
             <c:showBubbleSize val="0"/>
             <c:showLeaderLines val="0"/>
-            <c:extLst xmlns:mc="http://schemas.openxmlformats.org/markup-compatibility/2006" xmlns:c14="http://schemas.microsoft.com/office/drawing/2007/8/2/chart" xmlns:c15="http://schemas.microsoft.com/office/drawing/2012/chart" xmlns:c16="http://schemas.microsoft.com/office/drawing/2014/chart">
+            <c:extLst xmlns:c16="http://schemas.microsoft.com/office/drawing/2014/chart" xmlns:c15="http://schemas.microsoft.com/office/drawing/2012/chart" xmlns:c14="http://schemas.microsoft.com/office/drawing/2007/8/2/chart" xmlns:mc="http://schemas.openxmlformats.org/markup-compatibility/2006">
               <c:ext xmlns:c15="http://schemas.microsoft.com/office/drawing/2012/chart" uri="{CE6537A1-D6FC-4f65-9D91-7224C49458BB}">
                 <c15:showLeaderLines val="0"/>
               </c:ext>
@@ -46666,22 +46666,22 @@
             <c:numRef>
               <c:f>Sheet1!$F$2:$F$9</c:f>
               <c:numCache>
-                <c:formatCode>#,##0.0</c:formatCode>
+                <c:formatCode>General</c:formatCode>
                 <c:ptCount val="8"/>
-                <c:pt idx="3">
+                <c:pt idx="3" formatCode="#,##0.0">
                   <c:v>4.2</c:v>
                 </c:pt>
-                <c:pt idx="4">
+                <c:pt idx="4" formatCode="#,##0.0">
                   <c:v>2.2000000000000002</c:v>
                 </c:pt>
-                <c:pt idx="5">
+                <c:pt idx="5" formatCode="#,##0.0">
                   <c:v>3.5</c:v>
                 </c:pt>
               </c:numCache>
             </c:numRef>
           </c:yVal>
           <c:smooth val="0"/>
-          <c:extLst xmlns:mc="http://schemas.openxmlformats.org/markup-compatibility/2006" xmlns:c14="http://schemas.microsoft.com/office/drawing/2007/8/2/chart" xmlns:c15="http://schemas.microsoft.com/office/drawing/2012/chart" xmlns:c16="http://schemas.microsoft.com/office/drawing/2014/chart">
+          <c:extLst xmlns:c16="http://schemas.microsoft.com/office/drawing/2014/chart" xmlns:c15="http://schemas.microsoft.com/office/drawing/2012/chart" xmlns:c14="http://schemas.microsoft.com/office/drawing/2007/8/2/chart" xmlns:mc="http://schemas.openxmlformats.org/markup-compatibility/2006">
             <c:ext xmlns:c16="http://schemas.microsoft.com/office/drawing/2014/chart" uri="{C3380CC4-5D6E-409C-BE32-E72D297353CC}">
               <c16:uniqueId val="{00000006-D56D-491D-95D5-09D8E74580D3}"/>
             </c:ext>
@@ -46774,7 +46774,7 @@
             <c:showPercent val="0"/>
             <c:showBubbleSize val="0"/>
             <c:showLeaderLines val="0"/>
-            <c:extLst xmlns:mc="http://schemas.openxmlformats.org/markup-compatibility/2006" xmlns:c14="http://schemas.microsoft.com/office/drawing/2007/8/2/chart" xmlns:c15="http://schemas.microsoft.com/office/drawing/2012/chart" xmlns:c16="http://schemas.microsoft.com/office/drawing/2014/chart">
+            <c:extLst xmlns:c16="http://schemas.microsoft.com/office/drawing/2014/chart" xmlns:c15="http://schemas.microsoft.com/office/drawing/2012/chart" xmlns:c14="http://schemas.microsoft.com/office/drawing/2007/8/2/chart" xmlns:mc="http://schemas.openxmlformats.org/markup-compatibility/2006">
               <c:ext xmlns:c15="http://schemas.microsoft.com/office/drawing/2012/chart" uri="{CE6537A1-D6FC-4f65-9D91-7224C49458BB}">
                 <c15:showLeaderLines val="0"/>
               </c:ext>
@@ -46817,22 +46817,22 @@
             <c:numRef>
               <c:f>Sheet1!$G$2:$G$9</c:f>
               <c:numCache>
-                <c:formatCode>#,##0.0</c:formatCode>
+                <c:formatCode>General</c:formatCode>
                 <c:ptCount val="8"/>
-                <c:pt idx="3">
+                <c:pt idx="3" formatCode="#,##0.0">
                   <c:v>8.5</c:v>
                 </c:pt>
-                <c:pt idx="4">
+                <c:pt idx="4" formatCode="#,##0.0">
                   <c:v>7.7</c:v>
                 </c:pt>
-                <c:pt idx="5">
+                <c:pt idx="5" formatCode="#,##0.0">
                   <c:v>7.5</c:v>
                 </c:pt>
               </c:numCache>
             </c:numRef>
           </c:yVal>
           <c:smooth val="0"/>
-          <c:extLst xmlns:mc="http://schemas.openxmlformats.org/markup-compatibility/2006" xmlns:c14="http://schemas.microsoft.com/office/drawing/2007/8/2/chart" xmlns:c15="http://schemas.microsoft.com/office/drawing/2012/chart" xmlns:c16="http://schemas.microsoft.com/office/drawing/2014/chart">
+          <c:extLst xmlns:c16="http://schemas.microsoft.com/office/drawing/2014/chart" xmlns:c15="http://schemas.microsoft.com/office/drawing/2012/chart" xmlns:c14="http://schemas.microsoft.com/office/drawing/2007/8/2/chart" xmlns:mc="http://schemas.openxmlformats.org/markup-compatibility/2006">
             <c:ext xmlns:c16="http://schemas.microsoft.com/office/drawing/2014/chart" uri="{C3380CC4-5D6E-409C-BE32-E72D297353CC}">
               <c16:uniqueId val="{00000007-D56D-491D-95D5-09D8E74580D3}"/>
             </c:ext>
@@ -46907,7 +46907,7 @@
               <c:showSerName val="0"/>
               <c:showPercent val="0"/>
               <c:showBubbleSize val="0"/>
-              <c:extLst xmlns:mc="http://schemas.openxmlformats.org/markup-compatibility/2006" xmlns:c14="http://schemas.microsoft.com/office/drawing/2007/8/2/chart" xmlns:c15="http://schemas.microsoft.com/office/drawing/2012/chart" xmlns:c16="http://schemas.microsoft.com/office/drawing/2014/chart">
+              <c:extLst xmlns:c16="http://schemas.microsoft.com/office/drawing/2014/chart" xmlns:c15="http://schemas.microsoft.com/office/drawing/2012/chart" xmlns:c14="http://schemas.microsoft.com/office/drawing/2007/8/2/chart" xmlns:mc="http://schemas.openxmlformats.org/markup-compatibility/2006">
                 <c:ext xmlns:c15="http://schemas.microsoft.com/office/drawing/2012/chart" uri="{CE6537A1-D6FC-4f65-9D91-7224C49458BB}"/>
                 <c:ext xmlns:c16="http://schemas.microsoft.com/office/drawing/2014/chart" uri="{C3380CC4-5D6E-409C-BE32-E72D297353CC}">
                   <c16:uniqueId val="{00000008-D56D-491D-95D5-09D8E74580D3}"/>
@@ -46950,7 +46950,7 @@
             <c:showPercent val="0"/>
             <c:showBubbleSize val="0"/>
             <c:showLeaderLines val="0"/>
-            <c:extLst xmlns:mc="http://schemas.openxmlformats.org/markup-compatibility/2006" xmlns:c14="http://schemas.microsoft.com/office/drawing/2007/8/2/chart" xmlns:c15="http://schemas.microsoft.com/office/drawing/2012/chart" xmlns:c16="http://schemas.microsoft.com/office/drawing/2014/chart">
+            <c:extLst xmlns:c16="http://schemas.microsoft.com/office/drawing/2014/chart" xmlns:c15="http://schemas.microsoft.com/office/drawing/2012/chart" xmlns:c14="http://schemas.microsoft.com/office/drawing/2007/8/2/chart" xmlns:mc="http://schemas.openxmlformats.org/markup-compatibility/2006">
               <c:ext xmlns:c15="http://schemas.microsoft.com/office/drawing/2012/chart" uri="{CE6537A1-D6FC-4f65-9D91-7224C49458BB}">
                 <c15:showLeaderLines val="0"/>
               </c:ext>
@@ -46993,19 +46993,19 @@
             <c:numRef>
               <c:f>Sheet1!$H$2:$H$9</c:f>
               <c:numCache>
-                <c:formatCode>#,##0.0</c:formatCode>
+                <c:formatCode>General</c:formatCode>
                 <c:ptCount val="8"/>
-                <c:pt idx="6">
+                <c:pt idx="6" formatCode="#,##0.0">
                   <c:v>4</c:v>
                 </c:pt>
-                <c:pt idx="7">
+                <c:pt idx="7" formatCode="#,##0.0">
                   <c:v>3.8</c:v>
                 </c:pt>
               </c:numCache>
             </c:numRef>
           </c:yVal>
           <c:smooth val="0"/>
-          <c:extLst xmlns:mc="http://schemas.openxmlformats.org/markup-compatibility/2006" xmlns:c14="http://schemas.microsoft.com/office/drawing/2007/8/2/chart" xmlns:c15="http://schemas.microsoft.com/office/drawing/2012/chart" xmlns:c16="http://schemas.microsoft.com/office/drawing/2014/chart">
+          <c:extLst xmlns:c16="http://schemas.microsoft.com/office/drawing/2014/chart" xmlns:c15="http://schemas.microsoft.com/office/drawing/2012/chart" xmlns:c14="http://schemas.microsoft.com/office/drawing/2007/8/2/chart" xmlns:mc="http://schemas.openxmlformats.org/markup-compatibility/2006">
             <c:ext xmlns:c16="http://schemas.microsoft.com/office/drawing/2014/chart" uri="{C3380CC4-5D6E-409C-BE32-E72D297353CC}">
               <c16:uniqueId val="{00000009-D56D-491D-95D5-09D8E74580D3}"/>
             </c:ext>
@@ -47101,7 +47101,7 @@
             <c:showPercent val="0"/>
             <c:showBubbleSize val="0"/>
             <c:showLeaderLines val="0"/>
-            <c:extLst xmlns:mc="http://schemas.openxmlformats.org/markup-compatibility/2006" xmlns:c14="http://schemas.microsoft.com/office/drawing/2007/8/2/chart" xmlns:c15="http://schemas.microsoft.com/office/drawing/2012/chart" xmlns:c16="http://schemas.microsoft.com/office/drawing/2014/chart">
+            <c:extLst xmlns:c16="http://schemas.microsoft.com/office/drawing/2014/chart" xmlns:c15="http://schemas.microsoft.com/office/drawing/2012/chart" xmlns:c14="http://schemas.microsoft.com/office/drawing/2007/8/2/chart" xmlns:mc="http://schemas.openxmlformats.org/markup-compatibility/2006">
               <c:ext xmlns:c15="http://schemas.microsoft.com/office/drawing/2012/chart" uri="{CE6537A1-D6FC-4f65-9D91-7224C49458BB}">
                 <c15:showLeaderLines val="0"/>
               </c:ext>
@@ -47144,19 +47144,19 @@
             <c:numRef>
               <c:f>Sheet1!$I$2:$I$9</c:f>
               <c:numCache>
-                <c:formatCode>#,##0.0</c:formatCode>
+                <c:formatCode>General</c:formatCode>
                 <c:ptCount val="8"/>
-                <c:pt idx="6">
+                <c:pt idx="6" formatCode="#,##0.0">
                   <c:v>6.7</c:v>
                 </c:pt>
-                <c:pt idx="7">
+                <c:pt idx="7" formatCode="#,##0.0">
                   <c:v>7.2</c:v>
                 </c:pt>
               </c:numCache>
             </c:numRef>
           </c:yVal>
           <c:smooth val="0"/>
-          <c:extLst xmlns:mc="http://schemas.openxmlformats.org/markup-compatibility/2006" xmlns:c14="http://schemas.microsoft.com/office/drawing/2007/8/2/chart" xmlns:c15="http://schemas.microsoft.com/office/drawing/2012/chart" xmlns:c16="http://schemas.microsoft.com/office/drawing/2014/chart">
+          <c:extLst xmlns:c16="http://schemas.microsoft.com/office/drawing/2014/chart" xmlns:c15="http://schemas.microsoft.com/office/drawing/2012/chart" xmlns:c14="http://schemas.microsoft.com/office/drawing/2007/8/2/chart" xmlns:mc="http://schemas.openxmlformats.org/markup-compatibility/2006">
             <c:ext xmlns:c16="http://schemas.microsoft.com/office/drawing/2014/chart" uri="{C3380CC4-5D6E-409C-BE32-E72D297353CC}">
               <c16:uniqueId val="{0000000A-D56D-491D-95D5-09D8E74580D3}"/>
             </c:ext>
@@ -49315,7 +49315,7 @@
             <a:fld id="{E0E5718D-064E-42C1-91CB-2226096DD678}" type="datetimeFigureOut">
               <a:rPr lang="en-GB" smtClean="0"/>
               <a:pPr/>
-              <a:t>21/01/2022</a:t>
+              <a:t>05/02/2022</a:t>
             </a:fld>
             <a:endParaRPr lang="en-GB"/>
           </a:p>
@@ -49482,7 +49482,7 @@
             <a:fld id="{416B9FA3-0B3D-4699-8696-1174BE157FCC}" type="datetimeFigureOut">
               <a:rPr lang="en-GB" smtClean="0"/>
               <a:pPr/>
-              <a:t>21/01/2022</a:t>
+              <a:t>05/02/2022</a:t>
             </a:fld>
             <a:endParaRPr lang="en-GB"/>
           </a:p>
@@ -53716,7 +53716,7 @@
       </p:grpSpPr>
       <p:graphicFrame>
         <p:nvGraphicFramePr>
-          <p:cNvPr id="4" name="Диаграмма 3">
+          <p:cNvPr id="4" name="Chart 3">
             <a:extLst>
               <a:ext uri="{FF2B5EF4-FFF2-40B4-BE49-F238E27FC236}">
                 <a16:creationId xmlns:a16="http://schemas.microsoft.com/office/drawing/2014/main" id="{793B478B-9C88-4EDC-B132-4B6E8DC7F734}"/>
@@ -53729,7 +53729,7 @@
           <p:nvPr>
             <p:extLst>
               <p:ext uri="{D42A27DB-BD31-4B8C-83A1-F6EECF244321}">
-                <p14:modId xmlns:p14="http://schemas.microsoft.com/office/powerpoint/2010/main" val="1839697766"/>
+                <p14:modId xmlns:p14="http://schemas.microsoft.com/office/powerpoint/2010/main" val="1989263574"/>
               </p:ext>
             </p:extLst>
           </p:nvPr>
